--- a/STA-491-PC-F21/12 - Anatomy of the Web.pptx
+++ b/STA-491-PC-F21/12 - Anatomy of the Web.pptx
@@ -332,7 +332,7 @@
           <a:p>
             <a:fld id="{51CFD292-8E22-4040-A7F0-63636BCC867A}" type="datetimeFigureOut">
               <a:rPr lang="en-US" smtClean="0"/>
-              <a:t>10/31/2021</a:t>
+              <a:t>11/1/2021</a:t>
             </a:fld>
             <a:endParaRPr lang="en-US"/>
           </a:p>
@@ -4928,7 +4928,7 @@
             <a:fld id="{A5B0A250-5CC0-1746-B209-08E8B0DAE6AF}" type="datetimeFigureOut">
               <a:rPr lang="en-US" smtClean="0"/>
               <a:pPr algn="l"/>
-              <a:t>10/31/2021</a:t>
+              <a:t>11/1/2021</a:t>
             </a:fld>
             <a:endParaRPr lang="en-US" dirty="0"/>
           </a:p>
@@ -6390,7 +6390,7 @@
           <a:p>
             <a:fld id="{A5B0A250-5CC0-1746-B209-08E8B0DAE6AF}" type="datetimeFigureOut">
               <a:rPr lang="en-US" smtClean="0"/>
-              <a:t>10/31/2021</a:t>
+              <a:t>11/1/2021</a:t>
             </a:fld>
             <a:endParaRPr lang="en-US" dirty="0"/>
           </a:p>
@@ -7320,7 +7320,7 @@
           <a:p>
             <a:fld id="{A5B0A250-5CC0-1746-B209-08E8B0DAE6AF}" type="datetimeFigureOut">
               <a:rPr lang="en-US" smtClean="0"/>
-              <a:t>10/31/2021</a:t>
+              <a:t>11/1/2021</a:t>
             </a:fld>
             <a:endParaRPr lang="en-US"/>
           </a:p>
@@ -8777,7 +8777,7 @@
           <a:p>
             <a:fld id="{A5B0A250-5CC0-1746-B209-08E8B0DAE6AF}" type="datetimeFigureOut">
               <a:rPr lang="en-US" smtClean="0"/>
-              <a:t>10/31/2021</a:t>
+              <a:t>11/1/2021</a:t>
             </a:fld>
             <a:endParaRPr lang="en-US" dirty="0"/>
           </a:p>
@@ -11133,7 +11133,7 @@
           <a:p>
             <a:fld id="{A5B0A250-5CC0-1746-B209-08E8B0DAE6AF}" type="datetimeFigureOut">
               <a:rPr lang="en-US" smtClean="0"/>
-              <a:t>10/31/2021</a:t>
+              <a:t>11/1/2021</a:t>
             </a:fld>
             <a:endParaRPr lang="en-US" dirty="0"/>
           </a:p>
@@ -12174,7 +12174,7 @@
           <a:p>
             <a:fld id="{A5B0A250-5CC0-1746-B209-08E8B0DAE6AF}" type="datetimeFigureOut">
               <a:rPr lang="en-US" smtClean="0"/>
-              <a:t>10/31/2021</a:t>
+              <a:t>11/1/2021</a:t>
             </a:fld>
             <a:endParaRPr lang="en-US" dirty="0"/>
           </a:p>
@@ -13387,7 +13387,7 @@
           <a:p>
             <a:fld id="{A5B0A250-5CC0-1746-B209-08E8B0DAE6AF}" type="datetimeFigureOut">
               <a:rPr lang="en-US" smtClean="0"/>
-              <a:t>10/31/2021</a:t>
+              <a:t>11/1/2021</a:t>
             </a:fld>
             <a:endParaRPr lang="en-US" dirty="0"/>
           </a:p>
@@ -14296,7 +14296,7 @@
           <a:p>
             <a:fld id="{A5B0A250-5CC0-1746-B209-08E8B0DAE6AF}" type="datetimeFigureOut">
               <a:rPr lang="en-US" smtClean="0"/>
-              <a:t>10/31/2021</a:t>
+              <a:t>11/1/2021</a:t>
             </a:fld>
             <a:endParaRPr lang="en-US" dirty="0"/>
           </a:p>
@@ -14455,7 +14455,7 @@
             <a:fld id="{A5B0A250-5CC0-1746-B209-08E8B0DAE6AF}" type="datetimeFigureOut">
               <a:rPr lang="en-US" smtClean="0"/>
               <a:pPr/>
-              <a:t>10/31/2021</a:t>
+              <a:t>11/1/2021</a:t>
             </a:fld>
             <a:endParaRPr lang="en-US" dirty="0"/>
           </a:p>
@@ -15438,7 +15438,7 @@
           <a:p>
             <a:fld id="{A5B0A250-5CC0-1746-B209-08E8B0DAE6AF}" type="datetimeFigureOut">
               <a:rPr lang="en-US" smtClean="0"/>
-              <a:t>10/31/2021</a:t>
+              <a:t>11/1/2021</a:t>
             </a:fld>
             <a:endParaRPr lang="en-US" dirty="0"/>
           </a:p>
@@ -16500,7 +16500,7 @@
           <a:p>
             <a:fld id="{A5B0A250-5CC0-1746-B209-08E8B0DAE6AF}" type="datetimeFigureOut">
               <a:rPr lang="en-US" smtClean="0"/>
-              <a:t>10/31/2021</a:t>
+              <a:t>11/1/2021</a:t>
             </a:fld>
             <a:endParaRPr lang="en-US" dirty="0"/>
           </a:p>
@@ -16791,7 +16791,7 @@
             <a:fld id="{A5B0A250-5CC0-1746-B209-08E8B0DAE6AF}" type="datetimeFigureOut">
               <a:rPr lang="en-US" smtClean="0"/>
               <a:pPr/>
-              <a:t>10/31/2021</a:t>
+              <a:t>11/1/2021</a:t>
             </a:fld>
             <a:endParaRPr lang="en-US" dirty="0"/>
           </a:p>
@@ -23157,8 +23157,8 @@
         </p:nvSpPr>
         <p:spPr>
           <a:xfrm>
-            <a:off x="7690875" y="5955358"/>
-            <a:ext cx="6096000" cy="369332"/>
+            <a:off x="6600846" y="6009763"/>
+            <a:ext cx="6096000" cy="646331"/>
           </a:xfrm>
           <a:prstGeom prst="rect">
             <a:avLst/>
@@ -23181,7 +23181,19 @@
               </a:rPr>
               <a:t>content.js</a:t>
             </a:r>
-            <a:endParaRPr lang="en-US" sz="1800" dirty="0">
+          </a:p>
+          <a:p>
+            <a:pPr lvl="1"/>
+            <a:r>
+              <a:rPr lang="en-US" b="1" i="1" dirty="0">
+                <a:solidFill>
+                  <a:schemeClr val="bg1"/>
+                </a:solidFill>
+                <a:latin typeface="arial" panose="020B0604020202020204" pitchFamily="34" charset="0"/>
+              </a:rPr>
+              <a:t>This is the code to modify the HTML pages</a:t>
+            </a:r>
+            <a:endParaRPr lang="en-US" sz="1800" b="1" i="1" dirty="0">
               <a:solidFill>
                 <a:schemeClr val="bg1"/>
               </a:solidFill>
@@ -26125,6 +26137,21 @@
 </file>
 
 <file path=customXml/item1.xml><?xml version="1.0" encoding="utf-8"?>
+<p:properties xmlns:p="http://schemas.microsoft.com/office/2006/metadata/properties" xmlns:xsi="http://www.w3.org/2001/XMLSchema-instance" xmlns:pc="http://schemas.microsoft.com/office/infopath/2007/PartnerControls">
+  <documentManagement/>
+</p:properties>
+</file>
+
+<file path=customXml/item2.xml><?xml version="1.0" encoding="utf-8"?>
+<?mso-contentType ?>
+<FormTemplates xmlns="http://schemas.microsoft.com/sharepoint/v3/contenttype/forms">
+  <Display>DocumentLibraryForm</Display>
+  <Edit>DocumentLibraryForm</Edit>
+  <New>DocumentLibraryForm</New>
+</FormTemplates>
+</file>
+
+<file path=customXml/item3.xml><?xml version="1.0" encoding="utf-8"?>
 <ct:contentTypeSchema xmlns:ct="http://schemas.microsoft.com/office/2006/metadata/contentType" xmlns:ma="http://schemas.microsoft.com/office/2006/metadata/properties/metaAttributes" ct:_="" ma:_="" ma:contentTypeName="Document" ma:contentTypeID="0x0101000D958A5556AA64499116E1793A53468A" ma:contentTypeVersion="7" ma:contentTypeDescription="Create a new document." ma:contentTypeScope="" ma:versionID="bf3d4e6668e1c41632fb8d2af3a79adb">
   <xsd:schema xmlns:xsd="http://www.w3.org/2001/XMLSchema" xmlns:xs="http://www.w3.org/2001/XMLSchema" xmlns:p="http://schemas.microsoft.com/office/2006/metadata/properties" xmlns:ns3="27f5b930-c5a1-440e-b577-567b15b72b75" xmlns:ns4="cd174ddd-0451-4af8-ad43-5fbbe8b32ab0" targetNamespace="http://schemas.microsoft.com/office/2006/metadata/properties" ma:root="true" ma:fieldsID="c3468af79fddbdadfa5914a73d12b22c" ns3:_="" ns4:_="">
     <xsd:import namespace="27f5b930-c5a1-440e-b577-567b15b72b75"/>
@@ -26309,22 +26336,32 @@
 </ct:contentTypeSchema>
 </file>
 
-<file path=customXml/item2.xml><?xml version="1.0" encoding="utf-8"?>
-<?mso-contentType ?>
-<FormTemplates xmlns="http://schemas.microsoft.com/sharepoint/v3/contenttype/forms">
-  <Display>DocumentLibraryForm</Display>
-  <Edit>DocumentLibraryForm</Edit>
-  <New>DocumentLibraryForm</New>
-</FormTemplates>
+<file path=customXml/itemProps1.xml><?xml version="1.0" encoding="utf-8"?>
+<ds:datastoreItem xmlns:ds="http://schemas.openxmlformats.org/officeDocument/2006/customXml" ds:itemID="{D77166A1-332D-4088-BCD3-CEBE89D2B1FE}">
+  <ds:schemaRefs>
+    <ds:schemaRef ds:uri="http://purl.org/dc/elements/1.1/"/>
+    <ds:schemaRef ds:uri="http://www.w3.org/XML/1998/namespace"/>
+    <ds:schemaRef ds:uri="27f5b930-c5a1-440e-b577-567b15b72b75"/>
+    <ds:schemaRef ds:uri="http://schemas.microsoft.com/office/infopath/2007/PartnerControls"/>
+    <ds:schemaRef ds:uri="cd174ddd-0451-4af8-ad43-5fbbe8b32ab0"/>
+    <ds:schemaRef ds:uri="http://purl.org/dc/dcmitype/"/>
+    <ds:schemaRef ds:uri="http://schemas.microsoft.com/office/2006/documentManagement/types"/>
+    <ds:schemaRef ds:uri="http://schemas.openxmlformats.org/package/2006/metadata/core-properties"/>
+    <ds:schemaRef ds:uri="http://schemas.microsoft.com/office/2006/metadata/properties"/>
+    <ds:schemaRef ds:uri="http://purl.org/dc/terms/"/>
+  </ds:schemaRefs>
+</ds:datastoreItem>
 </file>
 
-<file path=customXml/item3.xml><?xml version="1.0" encoding="utf-8"?>
-<p:properties xmlns:p="http://schemas.microsoft.com/office/2006/metadata/properties" xmlns:xsi="http://www.w3.org/2001/XMLSchema-instance" xmlns:pc="http://schemas.microsoft.com/office/infopath/2007/PartnerControls">
-  <documentManagement/>
-</p:properties>
+<file path=customXml/itemProps2.xml><?xml version="1.0" encoding="utf-8"?>
+<ds:datastoreItem xmlns:ds="http://schemas.openxmlformats.org/officeDocument/2006/customXml" ds:itemID="{30011791-DDFA-47A0-AD1F-41FE8474C0EC}">
+  <ds:schemaRefs>
+    <ds:schemaRef ds:uri="http://schemas.microsoft.com/sharepoint/v3/contenttype/forms"/>
+  </ds:schemaRefs>
+</ds:datastoreItem>
 </file>
 
-<file path=customXml/itemProps1.xml><?xml version="1.0" encoding="utf-8"?>
+<file path=customXml/itemProps3.xml><?xml version="1.0" encoding="utf-8"?>
 <ds:datastoreItem xmlns:ds="http://schemas.openxmlformats.org/officeDocument/2006/customXml" ds:itemID="{FA177A05-C433-4667-B307-2FE55F767BB5}">
   <ds:schemaRefs>
     <ds:schemaRef ds:uri="http://schemas.microsoft.com/office/2006/metadata/contentType"/>
@@ -26341,29 +26378,4 @@
     <ds:schemaRef ds:uri="http://schemas.microsoft.com/internal/obd"/>
   </ds:schemaRefs>
 </ds:datastoreItem>
-</file>
-
-<file path=customXml/itemProps2.xml><?xml version="1.0" encoding="utf-8"?>
-<ds:datastoreItem xmlns:ds="http://schemas.openxmlformats.org/officeDocument/2006/customXml" ds:itemID="{30011791-DDFA-47A0-AD1F-41FE8474C0EC}">
-  <ds:schemaRefs>
-    <ds:schemaRef ds:uri="http://schemas.microsoft.com/sharepoint/v3/contenttype/forms"/>
-  </ds:schemaRefs>
-</ds:datastoreItem>
-</file>
-
-<file path=customXml/itemProps3.xml><?xml version="1.0" encoding="utf-8"?>
-<ds:datastoreItem xmlns:ds="http://schemas.openxmlformats.org/officeDocument/2006/customXml" ds:itemID="{D77166A1-332D-4088-BCD3-CEBE89D2B1FE}">
-  <ds:schemaRefs>
-    <ds:schemaRef ds:uri="http://purl.org/dc/elements/1.1/"/>
-    <ds:schemaRef ds:uri="http://www.w3.org/XML/1998/namespace"/>
-    <ds:schemaRef ds:uri="27f5b930-c5a1-440e-b577-567b15b72b75"/>
-    <ds:schemaRef ds:uri="http://schemas.microsoft.com/office/infopath/2007/PartnerControls"/>
-    <ds:schemaRef ds:uri="cd174ddd-0451-4af8-ad43-5fbbe8b32ab0"/>
-    <ds:schemaRef ds:uri="http://purl.org/dc/dcmitype/"/>
-    <ds:schemaRef ds:uri="http://schemas.microsoft.com/office/2006/documentManagement/types"/>
-    <ds:schemaRef ds:uri="http://schemas.openxmlformats.org/package/2006/metadata/core-properties"/>
-    <ds:schemaRef ds:uri="http://schemas.microsoft.com/office/2006/metadata/properties"/>
-    <ds:schemaRef ds:uri="http://purl.org/dc/terms/"/>
-  </ds:schemaRefs>
-</ds:datastoreItem>
 </file>